--- a/강의자료.pptx
+++ b/강의자료.pptx
@@ -332,7 +332,7 @@
           <a:p>
             <a:fld id="{2C119A92-6561-4E73-ABE8-CAF38F8BD39C}" type="datetimeFigureOut">
               <a:rPr lang="ko-KR" altLang="en-US" smtClean="0"/>
-              <a:t>2015-09-11</a:t>
+              <a:t>2015-09-12</a:t>
             </a:fld>
             <a:endParaRPr lang="ko-KR" altLang="en-US"/>
           </a:p>
@@ -502,7 +502,7 @@
           <a:p>
             <a:fld id="{2C119A92-6561-4E73-ABE8-CAF38F8BD39C}" type="datetimeFigureOut">
               <a:rPr lang="ko-KR" altLang="en-US" smtClean="0"/>
-              <a:t>2015-09-11</a:t>
+              <a:t>2015-09-12</a:t>
             </a:fld>
             <a:endParaRPr lang="ko-KR" altLang="en-US"/>
           </a:p>
@@ -682,7 +682,7 @@
           <a:p>
             <a:fld id="{2C119A92-6561-4E73-ABE8-CAF38F8BD39C}" type="datetimeFigureOut">
               <a:rPr lang="ko-KR" altLang="en-US" smtClean="0"/>
-              <a:t>2015-09-11</a:t>
+              <a:t>2015-09-12</a:t>
             </a:fld>
             <a:endParaRPr lang="ko-KR" altLang="en-US"/>
           </a:p>
@@ -852,7 +852,7 @@
           <a:p>
             <a:fld id="{2C119A92-6561-4E73-ABE8-CAF38F8BD39C}" type="datetimeFigureOut">
               <a:rPr lang="ko-KR" altLang="en-US" smtClean="0"/>
-              <a:t>2015-09-11</a:t>
+              <a:t>2015-09-12</a:t>
             </a:fld>
             <a:endParaRPr lang="ko-KR" altLang="en-US"/>
           </a:p>
@@ -1098,7 +1098,7 @@
           <a:p>
             <a:fld id="{2C119A92-6561-4E73-ABE8-CAF38F8BD39C}" type="datetimeFigureOut">
               <a:rPr lang="ko-KR" altLang="en-US" smtClean="0"/>
-              <a:t>2015-09-11</a:t>
+              <a:t>2015-09-12</a:t>
             </a:fld>
             <a:endParaRPr lang="ko-KR" altLang="en-US"/>
           </a:p>
@@ -1386,7 +1386,7 @@
           <a:p>
             <a:fld id="{2C119A92-6561-4E73-ABE8-CAF38F8BD39C}" type="datetimeFigureOut">
               <a:rPr lang="ko-KR" altLang="en-US" smtClean="0"/>
-              <a:t>2015-09-11</a:t>
+              <a:t>2015-09-12</a:t>
             </a:fld>
             <a:endParaRPr lang="ko-KR" altLang="en-US"/>
           </a:p>
@@ -1808,7 +1808,7 @@
           <a:p>
             <a:fld id="{2C119A92-6561-4E73-ABE8-CAF38F8BD39C}" type="datetimeFigureOut">
               <a:rPr lang="ko-KR" altLang="en-US" smtClean="0"/>
-              <a:t>2015-09-11</a:t>
+              <a:t>2015-09-12</a:t>
             </a:fld>
             <a:endParaRPr lang="ko-KR" altLang="en-US"/>
           </a:p>
@@ -1926,7 +1926,7 @@
           <a:p>
             <a:fld id="{2C119A92-6561-4E73-ABE8-CAF38F8BD39C}" type="datetimeFigureOut">
               <a:rPr lang="ko-KR" altLang="en-US" smtClean="0"/>
-              <a:t>2015-09-11</a:t>
+              <a:t>2015-09-12</a:t>
             </a:fld>
             <a:endParaRPr lang="ko-KR" altLang="en-US"/>
           </a:p>
@@ -2021,7 +2021,7 @@
           <a:p>
             <a:fld id="{2C119A92-6561-4E73-ABE8-CAF38F8BD39C}" type="datetimeFigureOut">
               <a:rPr lang="ko-KR" altLang="en-US" smtClean="0"/>
-              <a:t>2015-09-11</a:t>
+              <a:t>2015-09-12</a:t>
             </a:fld>
             <a:endParaRPr lang="ko-KR" altLang="en-US"/>
           </a:p>
@@ -2298,7 +2298,7 @@
           <a:p>
             <a:fld id="{2C119A92-6561-4E73-ABE8-CAF38F8BD39C}" type="datetimeFigureOut">
               <a:rPr lang="ko-KR" altLang="en-US" smtClean="0"/>
-              <a:t>2015-09-11</a:t>
+              <a:t>2015-09-12</a:t>
             </a:fld>
             <a:endParaRPr lang="ko-KR" altLang="en-US"/>
           </a:p>
@@ -2551,7 +2551,7 @@
           <a:p>
             <a:fld id="{2C119A92-6561-4E73-ABE8-CAF38F8BD39C}" type="datetimeFigureOut">
               <a:rPr lang="ko-KR" altLang="en-US" smtClean="0"/>
-              <a:t>2015-09-11</a:t>
+              <a:t>2015-09-12</a:t>
             </a:fld>
             <a:endParaRPr lang="ko-KR" altLang="en-US"/>
           </a:p>
@@ -2764,7 +2764,7 @@
           <a:p>
             <a:fld id="{2C119A92-6561-4E73-ABE8-CAF38F8BD39C}" type="datetimeFigureOut">
               <a:rPr lang="ko-KR" altLang="en-US" smtClean="0"/>
-              <a:t>2015-09-11</a:t>
+              <a:t>2015-09-12</a:t>
             </a:fld>
             <a:endParaRPr lang="ko-KR" altLang="en-US"/>
           </a:p>
@@ -5297,7 +5297,7 @@
         <p:spPr>
           <a:xfrm>
             <a:off x="755576" y="1916832"/>
-            <a:ext cx="7344816" cy="4524315"/>
+            <a:ext cx="7344816" cy="4801314"/>
           </a:xfrm>
           <a:prstGeom prst="rect">
             <a:avLst/>
@@ -5506,15 +5506,7 @@
             </a:r>
             <a:r>
               <a:rPr lang="ko-KR" altLang="en-US" dirty="0" smtClean="0"/>
-              <a:t>예제 소스들이 </a:t>
-            </a:r>
-            <a:r>
-              <a:rPr lang="ko-KR" altLang="en-US" dirty="0" err="1" smtClean="0"/>
-              <a:t>이클립스</a:t>
-            </a:r>
-            <a:r>
-              <a:rPr lang="ko-KR" altLang="en-US" dirty="0" smtClean="0"/>
-              <a:t> 기반과 </a:t>
+              <a:t>예제 소스들이 이클립스 기반과 </a:t>
             </a:r>
             <a:r>
               <a:rPr lang="ko-KR" altLang="en-US" dirty="0" err="1" smtClean="0"/>
@@ -5548,6 +5540,14 @@
               <a:rPr lang="en-US" altLang="ko-KR" dirty="0" smtClean="0"/>
               <a:t>.</a:t>
             </a:r>
+          </a:p>
+          <a:p>
+            <a:pPr lvl="1"/>
+            <a:r>
+              <a:rPr lang="en-US" altLang="ko-KR" dirty="0"/>
+              <a:t>http://dkatlf900.tistory.com/36</a:t>
+            </a:r>
+            <a:endParaRPr lang="en-US" altLang="ko-KR" dirty="0" smtClean="0"/>
           </a:p>
           <a:p>
             <a:pPr marL="285750" indent="-285750">
@@ -12467,7 +12467,6 @@
               <a:rPr lang="en-US" altLang="ko-KR" dirty="0" smtClean="0"/>
               <a:t>IOS</a:t>
             </a:r>
-            <a:endParaRPr lang="en-US" altLang="ko-KR" dirty="0" smtClean="0"/>
           </a:p>
           <a:p>
             <a:pPr marL="0" indent="0">
@@ -12508,11 +12507,7 @@
             </a:r>
             <a:r>
               <a:rPr lang="en-US" altLang="ko-KR" dirty="0" smtClean="0"/>
-              <a:t>INDEXING</a:t>
-            </a:r>
-            <a:r>
-              <a:rPr lang="en-US" altLang="ko-KR" dirty="0" smtClean="0"/>
-              <a:t>.</a:t>
+              <a:t>INDEXING.</a:t>
             </a:r>
           </a:p>
           <a:p>
@@ -12543,7 +12538,6 @@
               <a:rPr lang="en-US" altLang="ko-KR" dirty="0" smtClean="0"/>
               <a:t>.</a:t>
             </a:r>
-            <a:endParaRPr lang="en-US" altLang="ko-KR" dirty="0" smtClean="0"/>
           </a:p>
           <a:p>
             <a:pPr marL="0" indent="0">
